--- a/final presentation v2.pptx
+++ b/final presentation v2.pptx
@@ -1,6 +1,6 @@
 
 <file path=ppt/presentation.xml><?xml version="1.0" encoding="utf-8"?>
-<p:presentation xmlns:a="http://schemas.openxmlformats.org/drawingml/2006/main" xmlns:r="http://schemas.openxmlformats.org/officeDocument/2006/relationships" xmlns:p="http://schemas.openxmlformats.org/presentationml/2006/main" saveSubsetFonts="1">
+<p:presentation xmlns:a="http://schemas.openxmlformats.org/drawingml/2006/main" xmlns:r="http://schemas.openxmlformats.org/officeDocument/2006/relationships" xmlns:p="http://schemas.openxmlformats.org/presentationml/2006/main" embedTrueTypeFonts="1">
   <p:sldMasterIdLst>
     <p:sldMasterId id="2147483828" r:id="rId1"/>
   </p:sldMasterIdLst>
@@ -18,6 +18,13 @@
   </p:sldIdLst>
   <p:sldSz cx="9144000" cy="6858000" type="screen4x3"/>
   <p:notesSz cx="6858000" cy="9144000"/>
+  <p:embeddedFontLst>
+    <p:embeddedFont>
+      <p:font typeface="Open Sans Light" pitchFamily="34" charset="0"/>
+      <p:regular r:id="rId12"/>
+      <p:italic r:id="rId13"/>
+    </p:embeddedFont>
+  </p:embeddedFontLst>
   <p:defaultTextStyle>
     <a:defPPr>
       <a:defRPr lang="en-US"/>
